--- a/materials/slides/ch06.pptx
+++ b/materials/slides/ch06.pptx
@@ -2050,7 +2050,6 @@
           <a:ln>
             <a:noFill/>
           </a:ln>
-          <a:extLst/>
         </p:spPr>
         <p:txBody>
           <a:bodyPr>
@@ -2270,7 +2269,6 @@
           <a:ln>
             <a:noFill/>
           </a:ln>
-          <a:extLst/>
         </p:spPr>
         <p:txBody>
           <a:bodyPr wrap="none" anchor="ctr"/>
@@ -2422,7 +2420,6 @@
           <a:ln>
             <a:noFill/>
           </a:ln>
-          <a:extLst/>
         </p:spPr>
         <p:txBody>
           <a:bodyPr wrap="none" anchor="ctr"/>
@@ -2570,7 +2567,6 @@
           <a:ln>
             <a:noFill/>
           </a:ln>
-          <a:extLst/>
         </p:spPr>
         <p:txBody>
           <a:bodyPr/>
@@ -4123,7 +4119,7 @@
               <a:pPr>
                 <a:defRPr/>
               </a:pPr>
-              <a:t>2018/3/28</a:t>
+              <a:t>2019/7/16</a:t>
             </a:fld>
             <a:endParaRPr lang="zh-CN" altLang="en-US"/>
           </a:p>
@@ -4442,7 +4438,7 @@
               <a:pPr>
                 <a:defRPr/>
               </a:pPr>
-              <a:t>2018/3/28</a:t>
+              <a:t>2019/7/16</a:t>
             </a:fld>
             <a:endParaRPr lang="zh-CN" altLang="en-US"/>
           </a:p>
@@ -9494,7 +9490,6 @@
             <a:noFill/>
           </a:ln>
           <a:effectLst/>
-          <a:extLst/>
         </p:spPr>
         <p:txBody>
           <a:bodyPr wrap="none" anchor="ctr"/>
@@ -10012,6 +10007,11 @@
               <a:rPr lang="zh-CN" altLang="zh-CN" dirty="0"/>
               <a:t>作为开源语言有一种魔力。那就是吸引众多开发者搭建第三方模块，使其能充分适应复杂现实的挑战，在众多诉求不同的领域中取得出色表现。</a:t>
             </a:r>
+            <a:r>
+              <a:rPr lang="en-US" altLang="zh-CN"/>
+              <a:t> </a:t>
+            </a:r>
+            <a:endParaRPr lang="zh-CN" altLang="zh-CN" dirty="0"/>
           </a:p>
           <a:p>
             <a:r>

--- a/materials/slides/ch06.pptx
+++ b/materials/slides/ch06.pptx
@@ -2050,6 +2050,7 @@
           <a:ln>
             <a:noFill/>
           </a:ln>
+          <a:extLst/>
         </p:spPr>
         <p:txBody>
           <a:bodyPr>
@@ -2269,6 +2270,7 @@
           <a:ln>
             <a:noFill/>
           </a:ln>
+          <a:extLst/>
         </p:spPr>
         <p:txBody>
           <a:bodyPr wrap="none" anchor="ctr"/>
@@ -2420,6 +2422,7 @@
           <a:ln>
             <a:noFill/>
           </a:ln>
+          <a:extLst/>
         </p:spPr>
         <p:txBody>
           <a:bodyPr wrap="none" anchor="ctr"/>
@@ -2567,6 +2570,7 @@
           <a:ln>
             <a:noFill/>
           </a:ln>
+          <a:extLst/>
         </p:spPr>
         <p:txBody>
           <a:bodyPr/>
@@ -4119,7 +4123,7 @@
               <a:pPr>
                 <a:defRPr/>
               </a:pPr>
-              <a:t>2019/7/16</a:t>
+              <a:t>2018/3/28</a:t>
             </a:fld>
             <a:endParaRPr lang="zh-CN" altLang="en-US"/>
           </a:p>
@@ -4438,7 +4442,7 @@
               <a:pPr>
                 <a:defRPr/>
               </a:pPr>
-              <a:t>2019/7/16</a:t>
+              <a:t>2018/3/28</a:t>
             </a:fld>
             <a:endParaRPr lang="zh-CN" altLang="en-US"/>
           </a:p>
@@ -9490,6 +9494,7 @@
             <a:noFill/>
           </a:ln>
           <a:effectLst/>
+          <a:extLst/>
         </p:spPr>
         <p:txBody>
           <a:bodyPr wrap="none" anchor="ctr"/>
@@ -10007,11 +10012,6 @@
               <a:rPr lang="zh-CN" altLang="zh-CN" dirty="0"/>
               <a:t>作为开源语言有一种魔力。那就是吸引众多开发者搭建第三方模块，使其能充分适应复杂现实的挑战，在众多诉求不同的领域中取得出色表现。</a:t>
             </a:r>
-            <a:r>
-              <a:rPr lang="en-US" altLang="zh-CN"/>
-              <a:t> </a:t>
-            </a:r>
-            <a:endParaRPr lang="zh-CN" altLang="zh-CN" dirty="0"/>
           </a:p>
           <a:p>
             <a:r>
